--- a/2017_05_Maths.pptx
+++ b/2017_05_Maths.pptx
@@ -237,7 +237,7 @@
           <a:p>
             <a:fld id="{801DB4AD-0506-804D-9177-ECB4D2AAA278}" type="datetimeFigureOut">
               <a:rPr lang="fr-FR" smtClean="0"/>
-              <a:t>13/09/17</a:t>
+              <a:t>28/09/17</a:t>
             </a:fld>
             <a:endParaRPr lang="fr-FR"/>
           </a:p>
@@ -403,7 +403,7 @@
           <a:p>
             <a:fld id="{A81B47BE-82C2-FD4D-9B98-CA52A80151C0}" type="datetimeFigureOut">
               <a:rPr lang="fr-FR" smtClean="0"/>
-              <a:t>13/09/17</a:t>
+              <a:t>28/09/17</a:t>
             </a:fld>
             <a:endParaRPr lang="fr-FR"/>
           </a:p>
@@ -1073,15 +1073,27 @@
           <a:p>
             <a:r>
               <a:rPr lang="fr-FR" dirty="0" smtClean="0"/>
-              <a:t>Rémi Ronfard –</a:t>
-            </a:r>
-            <a:r>
-              <a:rPr lang="fr-FR" dirty="0" err="1" smtClean="0"/>
-              <a:t>remi.ronfard@inria.fr</a:t>
+              <a:t>Rémi Ronfard </a:t>
             </a:r>
             <a:r>
               <a:rPr lang="fr-FR" dirty="0" smtClean="0"/>
-              <a:t> – GMIN317 – </a:t>
+              <a:t> </a:t>
+            </a:r>
+            <a:r>
+              <a:rPr lang="fr-FR" dirty="0" smtClean="0"/>
+              <a:t>– </a:t>
+            </a:r>
+            <a:r>
+              <a:rPr lang="en-US" dirty="0" smtClean="0"/>
+              <a:t>HMIN</a:t>
+            </a:r>
+            <a:r>
+              <a:rPr lang="fr-FR" dirty="0" smtClean="0"/>
+              <a:t>317 </a:t>
+            </a:r>
+            <a:r>
+              <a:rPr lang="fr-FR" dirty="0" smtClean="0"/>
+              <a:t>– </a:t>
             </a:r>
             <a:r>
               <a:rPr lang="fr-FR" b="1" dirty="0" smtClean="0"/>
@@ -1225,7 +1237,7 @@
           <a:p>
             <a:fld id="{19038BA7-713C-2544-8829-1AE6272C1240}" type="datetime1">
               <a:rPr lang="fr-FR" smtClean="0"/>
-              <a:t>13/09/17</a:t>
+              <a:t>28/09/17</a:t>
             </a:fld>
             <a:endParaRPr lang="fr-FR" dirty="0"/>
           </a:p>
@@ -1421,15 +1433,27 @@
           <a:p>
             <a:r>
               <a:rPr lang="fr-FR" dirty="0" smtClean="0"/>
-              <a:t>Rémi Ronfard –</a:t>
-            </a:r>
-            <a:r>
-              <a:rPr lang="fr-FR" dirty="0" err="1" smtClean="0"/>
-              <a:t>remi.ronfard@inria.fr</a:t>
+              <a:t>Rémi Ronfard </a:t>
             </a:r>
             <a:r>
               <a:rPr lang="fr-FR" dirty="0" smtClean="0"/>
-              <a:t> – GMIN317 – </a:t>
+              <a:t> </a:t>
+            </a:r>
+            <a:r>
+              <a:rPr lang="fr-FR" dirty="0" smtClean="0"/>
+              <a:t>– </a:t>
+            </a:r>
+            <a:r>
+              <a:rPr lang="en-US" dirty="0" smtClean="0"/>
+              <a:t>HMIN</a:t>
+            </a:r>
+            <a:r>
+              <a:rPr lang="fr-FR" dirty="0" smtClean="0"/>
+              <a:t>317 </a:t>
+            </a:r>
+            <a:r>
+              <a:rPr lang="fr-FR" dirty="0" smtClean="0"/>
+              <a:t>– </a:t>
             </a:r>
             <a:r>
               <a:rPr lang="fr-FR" b="1" dirty="0" smtClean="0"/>
@@ -1573,7 +1597,7 @@
           <a:p>
             <a:fld id="{19038BA7-713C-2544-8829-1AE6272C1240}" type="datetime1">
               <a:rPr lang="fr-FR" smtClean="0"/>
-              <a:t>13/09/17</a:t>
+              <a:t>28/09/17</a:t>
             </a:fld>
             <a:endParaRPr lang="fr-FR" dirty="0"/>
           </a:p>
@@ -1817,15 +1841,27 @@
           <a:p>
             <a:r>
               <a:rPr lang="fr-FR" dirty="0" smtClean="0"/>
-              <a:t>Rémi Ronfard –</a:t>
-            </a:r>
-            <a:r>
-              <a:rPr lang="fr-FR" dirty="0" err="1" smtClean="0"/>
-              <a:t>remi.ronfard@inria.fr</a:t>
+              <a:t>Rémi Ronfard </a:t>
             </a:r>
             <a:r>
               <a:rPr lang="fr-FR" dirty="0" smtClean="0"/>
-              <a:t> – GMIN317 – </a:t>
+              <a:t> </a:t>
+            </a:r>
+            <a:r>
+              <a:rPr lang="fr-FR" dirty="0" smtClean="0"/>
+              <a:t>– </a:t>
+            </a:r>
+            <a:r>
+              <a:rPr lang="en-US" dirty="0" smtClean="0"/>
+              <a:t>HMIN</a:t>
+            </a:r>
+            <a:r>
+              <a:rPr lang="fr-FR" dirty="0" smtClean="0"/>
+              <a:t>317 </a:t>
+            </a:r>
+            <a:r>
+              <a:rPr lang="fr-FR" dirty="0" smtClean="0"/>
+              <a:t>– </a:t>
             </a:r>
             <a:r>
               <a:rPr lang="fr-FR" b="1" dirty="0" smtClean="0"/>
@@ -1968,7 +2004,7 @@
           <a:p>
             <a:fld id="{90F72DDC-563B-C341-83C2-E73D8B258BF3}" type="datetime1">
               <a:rPr lang="fr-FR" smtClean="0"/>
-              <a:t>13/09/17</a:t>
+              <a:t>28/09/17</a:t>
             </a:fld>
             <a:endParaRPr lang="fr-FR" dirty="0"/>
           </a:p>
@@ -2260,15 +2296,27 @@
           <a:p>
             <a:r>
               <a:rPr lang="fr-FR" dirty="0" smtClean="0"/>
-              <a:t>Rémi Ronfard –</a:t>
-            </a:r>
-            <a:r>
-              <a:rPr lang="fr-FR" dirty="0" err="1" smtClean="0"/>
-              <a:t>remi.ronfard@inria.fr</a:t>
+              <a:t>Rémi Ronfard </a:t>
             </a:r>
             <a:r>
               <a:rPr lang="fr-FR" dirty="0" smtClean="0"/>
-              <a:t> – GMIN317 – </a:t>
+              <a:t> </a:t>
+            </a:r>
+            <a:r>
+              <a:rPr lang="fr-FR" dirty="0" smtClean="0"/>
+              <a:t>– </a:t>
+            </a:r>
+            <a:r>
+              <a:rPr lang="en-US" dirty="0" smtClean="0"/>
+              <a:t>HMIN</a:t>
+            </a:r>
+            <a:r>
+              <a:rPr lang="fr-FR" dirty="0" smtClean="0"/>
+              <a:t>317 </a:t>
+            </a:r>
+            <a:r>
+              <a:rPr lang="fr-FR" dirty="0" smtClean="0"/>
+              <a:t>– </a:t>
             </a:r>
             <a:r>
               <a:rPr lang="fr-FR" b="1" dirty="0" smtClean="0"/>
@@ -2412,7 +2460,7 @@
           <a:p>
             <a:fld id="{213233DE-E2B7-914A-A9A2-B94007DE19EE}" type="datetime1">
               <a:rPr lang="fr-FR" smtClean="0"/>
-              <a:t>13/09/17</a:t>
+              <a:t>28/09/17</a:t>
             </a:fld>
             <a:endParaRPr lang="fr-FR" dirty="0"/>
           </a:p>
@@ -2704,15 +2752,27 @@
           <a:p>
             <a:r>
               <a:rPr lang="fr-FR" dirty="0" smtClean="0"/>
-              <a:t>Rémi Ronfard –</a:t>
-            </a:r>
-            <a:r>
-              <a:rPr lang="fr-FR" dirty="0" err="1" smtClean="0"/>
-              <a:t>remi.ronfard@inria.fr</a:t>
+              <a:t>Rémi Ronfard </a:t>
             </a:r>
             <a:r>
               <a:rPr lang="fr-FR" dirty="0" smtClean="0"/>
-              <a:t> – GMIN317 – </a:t>
+              <a:t> </a:t>
+            </a:r>
+            <a:r>
+              <a:rPr lang="fr-FR" dirty="0" smtClean="0"/>
+              <a:t>– </a:t>
+            </a:r>
+            <a:r>
+              <a:rPr lang="en-US" dirty="0" smtClean="0"/>
+              <a:t>HMIN</a:t>
+            </a:r>
+            <a:r>
+              <a:rPr lang="fr-FR" dirty="0" smtClean="0"/>
+              <a:t>317 </a:t>
+            </a:r>
+            <a:r>
+              <a:rPr lang="fr-FR" dirty="0" smtClean="0"/>
+              <a:t>– </a:t>
             </a:r>
             <a:r>
               <a:rPr lang="fr-FR" b="1" dirty="0" smtClean="0"/>
@@ -2856,7 +2916,7 @@
           <a:p>
             <a:fld id="{C42B5CCB-00AF-494F-BB8F-8549A9D97B0C}" type="datetime1">
               <a:rPr lang="fr-FR" smtClean="0"/>
-              <a:t>13/09/17</a:t>
+              <a:t>28/09/17</a:t>
             </a:fld>
             <a:endParaRPr lang="fr-FR" dirty="0"/>
           </a:p>
@@ -3148,15 +3208,27 @@
           <a:p>
             <a:r>
               <a:rPr lang="fr-FR" dirty="0" smtClean="0"/>
-              <a:t>Rémi Ronfard –</a:t>
-            </a:r>
-            <a:r>
-              <a:rPr lang="fr-FR" dirty="0" err="1" smtClean="0"/>
-              <a:t>remi.ronfard@inria.fr</a:t>
+              <a:t>Rémi Ronfard </a:t>
             </a:r>
             <a:r>
               <a:rPr lang="fr-FR" dirty="0" smtClean="0"/>
-              <a:t> – GMIN317 – </a:t>
+              <a:t> </a:t>
+            </a:r>
+            <a:r>
+              <a:rPr lang="fr-FR" dirty="0" smtClean="0"/>
+              <a:t>– </a:t>
+            </a:r>
+            <a:r>
+              <a:rPr lang="en-US" dirty="0" smtClean="0"/>
+              <a:t>HMIN</a:t>
+            </a:r>
+            <a:r>
+              <a:rPr lang="fr-FR" dirty="0" smtClean="0"/>
+              <a:t>317 </a:t>
+            </a:r>
+            <a:r>
+              <a:rPr lang="fr-FR" dirty="0" smtClean="0"/>
+              <a:t>– </a:t>
             </a:r>
             <a:r>
               <a:rPr lang="fr-FR" b="1" dirty="0" smtClean="0"/>
@@ -3300,7 +3372,7 @@
           <a:p>
             <a:fld id="{D982A0D6-A7C2-DA44-8C91-0D82881601ED}" type="datetime1">
               <a:rPr lang="fr-FR" smtClean="0"/>
-              <a:t>13/09/17</a:t>
+              <a:t>28/09/17</a:t>
             </a:fld>
             <a:endParaRPr lang="fr-FR" dirty="0"/>
           </a:p>
@@ -3592,15 +3664,27 @@
           <a:p>
             <a:r>
               <a:rPr lang="fr-FR" dirty="0" smtClean="0"/>
-              <a:t>Rémi Ronfard –</a:t>
-            </a:r>
-            <a:r>
-              <a:rPr lang="fr-FR" dirty="0" err="1" smtClean="0"/>
-              <a:t>remi.ronfard@inria.fr</a:t>
+              <a:t>Rémi Ronfard </a:t>
             </a:r>
             <a:r>
               <a:rPr lang="fr-FR" dirty="0" smtClean="0"/>
-              <a:t> – GMIN317 – </a:t>
+              <a:t> </a:t>
+            </a:r>
+            <a:r>
+              <a:rPr lang="fr-FR" dirty="0" smtClean="0"/>
+              <a:t>– </a:t>
+            </a:r>
+            <a:r>
+              <a:rPr lang="en-US" dirty="0" smtClean="0"/>
+              <a:t>HMIN</a:t>
+            </a:r>
+            <a:r>
+              <a:rPr lang="fr-FR" dirty="0" smtClean="0"/>
+              <a:t>317 </a:t>
+            </a:r>
+            <a:r>
+              <a:rPr lang="fr-FR" dirty="0" smtClean="0"/>
+              <a:t>– </a:t>
             </a:r>
             <a:r>
               <a:rPr lang="fr-FR" b="1" dirty="0" smtClean="0"/>
@@ -3744,7 +3828,7 @@
           <a:p>
             <a:fld id="{3D85F28E-A20A-254E-B4B9-91D136105DD0}" type="datetime1">
               <a:rPr lang="fr-FR" smtClean="0"/>
-              <a:t>13/09/17</a:t>
+              <a:t>28/09/17</a:t>
             </a:fld>
             <a:endParaRPr lang="fr-FR" dirty="0"/>
           </a:p>
@@ -4328,15 +4412,27 @@
           <a:p>
             <a:r>
               <a:rPr lang="fr-FR" dirty="0" smtClean="0"/>
-              <a:t>Rémi Ronfard –</a:t>
-            </a:r>
-            <a:r>
-              <a:rPr lang="fr-FR" dirty="0" err="1" smtClean="0"/>
-              <a:t>remi.ronfard@inria.fr</a:t>
+              <a:t>Rémi Ronfard </a:t>
             </a:r>
             <a:r>
               <a:rPr lang="fr-FR" dirty="0" smtClean="0"/>
-              <a:t> – GMIN317 – </a:t>
+              <a:t> </a:t>
+            </a:r>
+            <a:r>
+              <a:rPr lang="fr-FR" dirty="0" smtClean="0"/>
+              <a:t>– </a:t>
+            </a:r>
+            <a:r>
+              <a:rPr lang="en-US" dirty="0" smtClean="0"/>
+              <a:t>HMIN</a:t>
+            </a:r>
+            <a:r>
+              <a:rPr lang="fr-FR" dirty="0" smtClean="0"/>
+              <a:t>317 </a:t>
+            </a:r>
+            <a:r>
+              <a:rPr lang="fr-FR" dirty="0" smtClean="0"/>
+              <a:t>– </a:t>
             </a:r>
             <a:r>
               <a:rPr lang="fr-FR" b="1" dirty="0" smtClean="0"/>
@@ -4480,7 +4576,7 @@
           <a:p>
             <a:fld id="{FAED594A-145F-964F-8801-3C0B09F2379E}" type="datetime1">
               <a:rPr lang="fr-FR" smtClean="0"/>
-              <a:t>13/09/17</a:t>
+              <a:t>28/09/17</a:t>
             </a:fld>
             <a:endParaRPr lang="fr-FR" dirty="0"/>
           </a:p>
@@ -5060,12 +5156,28 @@
           <a:lstStyle/>
           <a:p>
             <a:r>
+              <a:rPr lang="en-US" sz="4000" dirty="0" smtClean="0">
+                <a:solidFill>
+                  <a:schemeClr val="tx1"/>
+                </a:solidFill>
+              </a:rPr>
+              <a:t>HMIN</a:t>
+            </a:r>
+            <a:r>
               <a:rPr lang="fr-FR" sz="4000" dirty="0" smtClean="0">
                 <a:solidFill>
                   <a:schemeClr val="tx1"/>
                 </a:solidFill>
               </a:rPr>
-              <a:t>GMIN 317 – Moteur de Jeux</a:t>
+              <a:t> </a:t>
+            </a:r>
+            <a:r>
+              <a:rPr lang="fr-FR" sz="4000" dirty="0" smtClean="0">
+                <a:solidFill>
+                  <a:schemeClr val="tx1"/>
+                </a:solidFill>
+              </a:rPr>
+              <a:t>317 – Moteur de Jeux</a:t>
             </a:r>
             <a:br>
               <a:rPr lang="fr-FR" sz="4000" dirty="0" smtClean="0">
@@ -5449,14 +5561,33 @@
           <a:lstStyle/>
           <a:p>
             <a:r>
-              <a:rPr lang="fr-FR" smtClean="0"/>
-              <a:t>Rémi Ronfard –remi.ronfard@inria.fr – GMIN317 – </a:t>
-            </a:r>
-            <a:r>
-              <a:rPr lang="fr-FR" b="1" smtClean="0"/>
+              <a:rPr lang="fr-FR" dirty="0" smtClean="0"/>
+              <a:t>Rémi Ronfard </a:t>
+            </a:r>
+            <a:r>
+              <a:rPr lang="fr-FR" dirty="0" smtClean="0"/>
+              <a:t> </a:t>
+            </a:r>
+            <a:r>
+              <a:rPr lang="fr-FR" dirty="0" smtClean="0"/>
+              <a:t>– </a:t>
+            </a:r>
+            <a:r>
+              <a:rPr lang="en-US" dirty="0" smtClean="0"/>
+              <a:t>HMIN</a:t>
+            </a:r>
+            <a:r>
+              <a:rPr lang="fr-FR" dirty="0" smtClean="0"/>
+              <a:t>317 </a:t>
+            </a:r>
+            <a:r>
+              <a:rPr lang="fr-FR" dirty="0" smtClean="0"/>
+              <a:t>– </a:t>
+            </a:r>
+            <a:r>
+              <a:rPr lang="fr-FR" b="1" dirty="0" smtClean="0"/>
               <a:t>MATHS</a:t>
             </a:r>
-            <a:endParaRPr lang="fr-FR" b="1" dirty="0" smtClean="0"/>
           </a:p>
         </p:txBody>
       </p:sp>
@@ -5501,7 +5632,7 @@
           <a:p>
             <a:fld id="{90F72DDC-563B-C341-83C2-E73D8B258BF3}" type="datetime1">
               <a:rPr lang="fr-FR" smtClean="0"/>
-              <a:t>13/09/17</a:t>
+              <a:t>28/09/17</a:t>
             </a:fld>
             <a:endParaRPr lang="fr-FR" dirty="0"/>
           </a:p>
@@ -5866,14 +5997,33 @@
           <a:lstStyle/>
           <a:p>
             <a:r>
-              <a:rPr lang="fr-FR" smtClean="0"/>
-              <a:t>Rémi Ronfard –remi.ronfard@inria.fr – GMIN317 – </a:t>
-            </a:r>
-            <a:r>
-              <a:rPr lang="fr-FR" b="1" smtClean="0"/>
+              <a:rPr lang="fr-FR" dirty="0" smtClean="0"/>
+              <a:t>Rémi Ronfard </a:t>
+            </a:r>
+            <a:r>
+              <a:rPr lang="fr-FR" dirty="0" smtClean="0"/>
+              <a:t> </a:t>
+            </a:r>
+            <a:r>
+              <a:rPr lang="fr-FR" dirty="0" smtClean="0"/>
+              <a:t>– </a:t>
+            </a:r>
+            <a:r>
+              <a:rPr lang="en-US" dirty="0" smtClean="0"/>
+              <a:t>HMIN</a:t>
+            </a:r>
+            <a:r>
+              <a:rPr lang="fr-FR" dirty="0" smtClean="0"/>
+              <a:t>317 </a:t>
+            </a:r>
+            <a:r>
+              <a:rPr lang="fr-FR" dirty="0" smtClean="0"/>
+              <a:t>– </a:t>
+            </a:r>
+            <a:r>
+              <a:rPr lang="fr-FR" b="1" dirty="0" smtClean="0"/>
               <a:t>MATHS</a:t>
             </a:r>
-            <a:endParaRPr lang="fr-FR" b="1" dirty="0" smtClean="0"/>
           </a:p>
         </p:txBody>
       </p:sp>
@@ -5918,7 +6068,7 @@
           <a:p>
             <a:fld id="{90F72DDC-563B-C341-83C2-E73D8B258BF3}" type="datetime1">
               <a:rPr lang="fr-FR" smtClean="0"/>
-              <a:t>13/09/17</a:t>
+              <a:t>28/09/17</a:t>
             </a:fld>
             <a:endParaRPr lang="fr-FR" dirty="0"/>
           </a:p>
@@ -6138,14 +6288,33 @@
           <a:lstStyle/>
           <a:p>
             <a:r>
-              <a:rPr lang="fr-FR" smtClean="0"/>
-              <a:t>Rémi Ronfard –remi.ronfard@inria.fr – GMIN317 – </a:t>
-            </a:r>
-            <a:r>
-              <a:rPr lang="fr-FR" b="1" smtClean="0"/>
+              <a:rPr lang="fr-FR" dirty="0" smtClean="0"/>
+              <a:t>Rémi Ronfard </a:t>
+            </a:r>
+            <a:r>
+              <a:rPr lang="fr-FR" dirty="0" smtClean="0"/>
+              <a:t> </a:t>
+            </a:r>
+            <a:r>
+              <a:rPr lang="fr-FR" dirty="0" smtClean="0"/>
+              <a:t>– </a:t>
+            </a:r>
+            <a:r>
+              <a:rPr lang="en-US" dirty="0" smtClean="0"/>
+              <a:t>HMIN</a:t>
+            </a:r>
+            <a:r>
+              <a:rPr lang="fr-FR" dirty="0" smtClean="0"/>
+              <a:t>317 </a:t>
+            </a:r>
+            <a:r>
+              <a:rPr lang="fr-FR" dirty="0" smtClean="0"/>
+              <a:t>– </a:t>
+            </a:r>
+            <a:r>
+              <a:rPr lang="fr-FR" b="1" dirty="0" smtClean="0"/>
               <a:t>MATHS</a:t>
             </a:r>
-            <a:endParaRPr lang="fr-FR" b="1" dirty="0" smtClean="0"/>
           </a:p>
         </p:txBody>
       </p:sp>
@@ -6190,7 +6359,7 @@
           <a:p>
             <a:fld id="{90F72DDC-563B-C341-83C2-E73D8B258BF3}" type="datetime1">
               <a:rPr lang="fr-FR" smtClean="0"/>
-              <a:t>13/09/17</a:t>
+              <a:t>28/09/17</a:t>
             </a:fld>
             <a:endParaRPr lang="fr-FR" dirty="0"/>
           </a:p>
@@ -6809,14 +6978,33 @@
           <a:lstStyle/>
           <a:p>
             <a:r>
-              <a:rPr lang="fr-FR" smtClean="0"/>
-              <a:t>Rémi Ronfard –remi.ronfard@inria.fr – GMIN317 – </a:t>
-            </a:r>
-            <a:r>
-              <a:rPr lang="fr-FR" b="1" smtClean="0"/>
+              <a:rPr lang="fr-FR" dirty="0" smtClean="0"/>
+              <a:t>Rémi Ronfard </a:t>
+            </a:r>
+            <a:r>
+              <a:rPr lang="fr-FR" dirty="0" smtClean="0"/>
+              <a:t> </a:t>
+            </a:r>
+            <a:r>
+              <a:rPr lang="fr-FR" dirty="0" smtClean="0"/>
+              <a:t>– </a:t>
+            </a:r>
+            <a:r>
+              <a:rPr lang="en-US" dirty="0" smtClean="0"/>
+              <a:t>HMIN</a:t>
+            </a:r>
+            <a:r>
+              <a:rPr lang="fr-FR" dirty="0" smtClean="0"/>
+              <a:t>317 </a:t>
+            </a:r>
+            <a:r>
+              <a:rPr lang="fr-FR" dirty="0" smtClean="0"/>
+              <a:t>– </a:t>
+            </a:r>
+            <a:r>
+              <a:rPr lang="fr-FR" b="1" dirty="0" smtClean="0"/>
               <a:t>MATHS</a:t>
             </a:r>
-            <a:endParaRPr lang="fr-FR" b="1" dirty="0" smtClean="0"/>
           </a:p>
         </p:txBody>
       </p:sp>
@@ -6861,7 +7049,7 @@
           <a:p>
             <a:fld id="{90F72DDC-563B-C341-83C2-E73D8B258BF3}" type="datetime1">
               <a:rPr lang="fr-FR" smtClean="0"/>
-              <a:t>13/09/17</a:t>
+              <a:t>28/09/17</a:t>
             </a:fld>
             <a:endParaRPr lang="fr-FR" dirty="0"/>
           </a:p>
@@ -7603,15 +7791,27 @@
           <a:p>
             <a:r>
               <a:rPr lang="fr-FR" dirty="0" smtClean="0"/>
-              <a:t>Rémi Ronfard –</a:t>
-            </a:r>
-            <a:r>
-              <a:rPr lang="fr-FR" dirty="0" err="1" smtClean="0"/>
-              <a:t>remi.ronfard@inria.fr</a:t>
+              <a:t>Rémi Ronfard </a:t>
             </a:r>
             <a:r>
               <a:rPr lang="fr-FR" dirty="0" smtClean="0"/>
-              <a:t> – GMIN317 – </a:t>
+              <a:t> </a:t>
+            </a:r>
+            <a:r>
+              <a:rPr lang="fr-FR" dirty="0" smtClean="0"/>
+              <a:t>– </a:t>
+            </a:r>
+            <a:r>
+              <a:rPr lang="en-US" dirty="0" smtClean="0"/>
+              <a:t>HMIN</a:t>
+            </a:r>
+            <a:r>
+              <a:rPr lang="fr-FR" dirty="0" smtClean="0"/>
+              <a:t>317 </a:t>
+            </a:r>
+            <a:r>
+              <a:rPr lang="fr-FR" dirty="0" smtClean="0"/>
+              <a:t>– </a:t>
             </a:r>
             <a:r>
               <a:rPr lang="fr-FR" b="1" dirty="0" smtClean="0"/>
@@ -7662,7 +7862,7 @@
           <a:p>
             <a:fld id="{19038BA7-713C-2544-8829-1AE6272C1240}" type="datetime1">
               <a:rPr lang="fr-FR" smtClean="0"/>
-              <a:t>13/09/17</a:t>
+              <a:t>28/09/17</a:t>
             </a:fld>
             <a:endParaRPr lang="fr-FR" dirty="0"/>
           </a:p>
@@ -8358,15 +8558,27 @@
           <a:p>
             <a:r>
               <a:rPr lang="fr-FR" dirty="0" smtClean="0"/>
-              <a:t>Rémi Ronfard –</a:t>
-            </a:r>
-            <a:r>
-              <a:rPr lang="fr-FR" dirty="0" err="1" smtClean="0"/>
-              <a:t>remi.ronfard@inria.fr</a:t>
+              <a:t>Rémi Ronfard </a:t>
             </a:r>
             <a:r>
               <a:rPr lang="fr-FR" dirty="0" smtClean="0"/>
-              <a:t> – GMIN317 – </a:t>
+              <a:t> </a:t>
+            </a:r>
+            <a:r>
+              <a:rPr lang="fr-FR" dirty="0" smtClean="0"/>
+              <a:t>– </a:t>
+            </a:r>
+            <a:r>
+              <a:rPr lang="en-US" dirty="0" smtClean="0"/>
+              <a:t>HMIN</a:t>
+            </a:r>
+            <a:r>
+              <a:rPr lang="fr-FR" dirty="0" smtClean="0"/>
+              <a:t>317 </a:t>
+            </a:r>
+            <a:r>
+              <a:rPr lang="fr-FR" dirty="0" smtClean="0"/>
+              <a:t>– </a:t>
             </a:r>
             <a:r>
               <a:rPr lang="fr-FR" b="1" dirty="0" smtClean="0"/>
@@ -8417,7 +8629,7 @@
           <a:p>
             <a:fld id="{19038BA7-713C-2544-8829-1AE6272C1240}" type="datetime1">
               <a:rPr lang="fr-FR" smtClean="0"/>
-              <a:t>13/09/17</a:t>
+              <a:t>28/09/17</a:t>
             </a:fld>
             <a:endParaRPr lang="fr-FR" dirty="0"/>
           </a:p>
@@ -8965,15 +9177,27 @@
           <a:p>
             <a:r>
               <a:rPr lang="fr-FR" dirty="0" smtClean="0"/>
-              <a:t>Rémi Ronfard –</a:t>
-            </a:r>
-            <a:r>
-              <a:rPr lang="fr-FR" dirty="0" err="1" smtClean="0"/>
-              <a:t>remi.ronfard@inria.fr</a:t>
+              <a:t>Rémi Ronfard </a:t>
             </a:r>
             <a:r>
               <a:rPr lang="fr-FR" dirty="0" smtClean="0"/>
-              <a:t> – GMIN317 – </a:t>
+              <a:t> </a:t>
+            </a:r>
+            <a:r>
+              <a:rPr lang="fr-FR" dirty="0" smtClean="0"/>
+              <a:t>– </a:t>
+            </a:r>
+            <a:r>
+              <a:rPr lang="en-US" dirty="0" smtClean="0"/>
+              <a:t>HMIN</a:t>
+            </a:r>
+            <a:r>
+              <a:rPr lang="fr-FR" dirty="0" smtClean="0"/>
+              <a:t>317 </a:t>
+            </a:r>
+            <a:r>
+              <a:rPr lang="fr-FR" dirty="0" smtClean="0"/>
+              <a:t>– </a:t>
             </a:r>
             <a:r>
               <a:rPr lang="fr-FR" b="1" dirty="0" smtClean="0"/>
@@ -9024,7 +9248,7 @@
           <a:p>
             <a:fld id="{19038BA7-713C-2544-8829-1AE6272C1240}" type="datetime1">
               <a:rPr lang="fr-FR" smtClean="0"/>
-              <a:t>13/09/17</a:t>
+              <a:t>28/09/17</a:t>
             </a:fld>
             <a:endParaRPr lang="fr-FR" dirty="0"/>
           </a:p>
@@ -9660,11 +9884,31 @@
           <a:lstStyle/>
           <a:p>
             <a:r>
-              <a:rPr lang="fr-FR" smtClean="0"/>
-              <a:t>Rémi Ronfard –remi.ronfard@inria.fr – GMIN317 – </a:t>
-            </a:r>
-            <a:r>
-              <a:rPr lang="fr-FR" b="1" smtClean="0"/>
+              <a:rPr lang="fr-FR" dirty="0" smtClean="0"/>
+              <a:t>Rémi Ronfard </a:t>
+            </a:r>
+            <a:r>
+              <a:rPr lang="fr-FR" dirty="0" smtClean="0"/>
+              <a:t> </a:t>
+            </a:r>
+            <a:r>
+              <a:rPr lang="fr-FR" dirty="0" smtClean="0"/>
+              <a:t>– </a:t>
+            </a:r>
+            <a:r>
+              <a:rPr lang="en-US" dirty="0" smtClean="0"/>
+              <a:t>HMIN</a:t>
+            </a:r>
+            <a:r>
+              <a:rPr lang="fr-FR" dirty="0" smtClean="0"/>
+              <a:t>317 </a:t>
+            </a:r>
+            <a:r>
+              <a:rPr lang="fr-FR" dirty="0" smtClean="0"/>
+              <a:t>– </a:t>
+            </a:r>
+            <a:r>
+              <a:rPr lang="fr-FR" b="1" dirty="0" smtClean="0"/>
               <a:t>MATHS</a:t>
             </a:r>
             <a:endParaRPr lang="fr-FR" b="1" dirty="0"/>
@@ -9712,7 +9956,7 @@
           <a:p>
             <a:fld id="{19038BA7-713C-2544-8829-1AE6272C1240}" type="datetime1">
               <a:rPr lang="fr-FR" smtClean="0"/>
-              <a:t>13/09/17</a:t>
+              <a:t>28/09/17</a:t>
             </a:fld>
             <a:endParaRPr lang="fr-FR" dirty="0"/>
           </a:p>
@@ -9928,11 +10172,31 @@
           <a:lstStyle/>
           <a:p>
             <a:r>
-              <a:rPr lang="fr-FR" smtClean="0"/>
-              <a:t>Rémi Ronfard –remi.ronfard@inria.fr – GMIN317 – </a:t>
-            </a:r>
-            <a:r>
-              <a:rPr lang="fr-FR" b="1" smtClean="0"/>
+              <a:rPr lang="fr-FR" dirty="0" smtClean="0"/>
+              <a:t>Rémi Ronfard </a:t>
+            </a:r>
+            <a:r>
+              <a:rPr lang="fr-FR" dirty="0" smtClean="0"/>
+              <a:t> </a:t>
+            </a:r>
+            <a:r>
+              <a:rPr lang="fr-FR" dirty="0" smtClean="0"/>
+              <a:t>– </a:t>
+            </a:r>
+            <a:r>
+              <a:rPr lang="en-US" dirty="0" smtClean="0"/>
+              <a:t>HMIN</a:t>
+            </a:r>
+            <a:r>
+              <a:rPr lang="fr-FR" dirty="0" smtClean="0"/>
+              <a:t>317 </a:t>
+            </a:r>
+            <a:r>
+              <a:rPr lang="fr-FR" dirty="0" smtClean="0"/>
+              <a:t>– </a:t>
+            </a:r>
+            <a:r>
+              <a:rPr lang="fr-FR" b="1" dirty="0" smtClean="0"/>
               <a:t>MATHS</a:t>
             </a:r>
             <a:endParaRPr lang="fr-FR" b="1" dirty="0"/>
@@ -9980,7 +10244,7 @@
           <a:p>
             <a:fld id="{19038BA7-713C-2544-8829-1AE6272C1240}" type="datetime1">
               <a:rPr lang="fr-FR" smtClean="0"/>
-              <a:t>13/09/17</a:t>
+              <a:t>28/09/17</a:t>
             </a:fld>
             <a:endParaRPr lang="fr-FR" dirty="0"/>
           </a:p>
@@ -10002,7 +10266,7 @@
           <a:graphicData uri="http://schemas.openxmlformats.org/presentationml/2006/ole">
             <mc:AlternateContent xmlns:mc="http://schemas.openxmlformats.org/markup-compatibility/2006">
               <mc:Choice xmlns:v="urn:schemas-microsoft-com:vml" Requires="v">
-                <p:oleObj spid="_x0000_s18514" name="…quation" r:id="rId3" imgW="2222280" imgH="711000" progId="Equation.3">
+                <p:oleObj spid="_x0000_s18518" name="…quation" r:id="rId3" imgW="2222280" imgH="711000" progId="Equation.3">
                   <p:embed/>
                 </p:oleObj>
               </mc:Choice>
@@ -10097,7 +10361,7 @@
           <a:graphicData uri="http://schemas.openxmlformats.org/presentationml/2006/ole">
             <mc:AlternateContent xmlns:mc="http://schemas.openxmlformats.org/markup-compatibility/2006">
               <mc:Choice xmlns:v="urn:schemas-microsoft-com:vml" Requires="v">
-                <p:oleObj spid="_x0000_s18515" name="Equation" r:id="rId5" imgW="3644640" imgH="215640" progId="Equation.3">
+                <p:oleObj spid="_x0000_s18519" name="Equation" r:id="rId5" imgW="3644640" imgH="215640" progId="Equation.3">
                   <p:embed/>
                 </p:oleObj>
               </mc:Choice>
@@ -10275,11 +10539,31 @@
           <a:lstStyle/>
           <a:p>
             <a:r>
-              <a:rPr lang="fr-FR" smtClean="0"/>
-              <a:t>Rémi Ronfard –remi.ronfard@inria.fr – GMIN317 – </a:t>
-            </a:r>
-            <a:r>
-              <a:rPr lang="fr-FR" b="1" smtClean="0"/>
+              <a:rPr lang="fr-FR" dirty="0" smtClean="0"/>
+              <a:t>Rémi Ronfard </a:t>
+            </a:r>
+            <a:r>
+              <a:rPr lang="fr-FR" dirty="0" smtClean="0"/>
+              <a:t> </a:t>
+            </a:r>
+            <a:r>
+              <a:rPr lang="fr-FR" dirty="0" smtClean="0"/>
+              <a:t>– </a:t>
+            </a:r>
+            <a:r>
+              <a:rPr lang="en-US" dirty="0" smtClean="0"/>
+              <a:t>HMIN</a:t>
+            </a:r>
+            <a:r>
+              <a:rPr lang="fr-FR" dirty="0" smtClean="0"/>
+              <a:t>317 </a:t>
+            </a:r>
+            <a:r>
+              <a:rPr lang="fr-FR" dirty="0" smtClean="0"/>
+              <a:t>– </a:t>
+            </a:r>
+            <a:r>
+              <a:rPr lang="fr-FR" b="1" dirty="0" smtClean="0"/>
               <a:t>MATHS</a:t>
             </a:r>
             <a:endParaRPr lang="fr-FR" b="1" dirty="0"/>
@@ -10327,7 +10611,7 @@
           <a:p>
             <a:fld id="{19038BA7-713C-2544-8829-1AE6272C1240}" type="datetime1">
               <a:rPr lang="fr-FR" smtClean="0"/>
-              <a:t>13/09/17</a:t>
+              <a:t>28/09/17</a:t>
             </a:fld>
             <a:endParaRPr lang="fr-FR" dirty="0"/>
           </a:p>
@@ -10587,7 +10871,7 @@
           <a:p>
             <a:fld id="{19038BA7-713C-2544-8829-1AE6272C1240}" type="datetime1">
               <a:rPr lang="fr-FR" smtClean="0"/>
-              <a:t>13/09/17</a:t>
+              <a:t>28/09/17</a:t>
             </a:fld>
             <a:endParaRPr lang="fr-FR" dirty="0"/>
           </a:p>
@@ -10669,11 +10953,31 @@
           <a:lstStyle/>
           <a:p>
             <a:r>
-              <a:rPr lang="fr-FR" smtClean="0"/>
-              <a:t>Rémi Ronfard –remi.ronfard@inria.fr – GMIN317 – </a:t>
-            </a:r>
-            <a:r>
-              <a:rPr lang="fr-FR" b="1" smtClean="0"/>
+              <a:rPr lang="fr-FR" dirty="0" smtClean="0"/>
+              <a:t>Rémi Ronfard </a:t>
+            </a:r>
+            <a:r>
+              <a:rPr lang="fr-FR" dirty="0" smtClean="0"/>
+              <a:t> </a:t>
+            </a:r>
+            <a:r>
+              <a:rPr lang="fr-FR" dirty="0" smtClean="0"/>
+              <a:t>– </a:t>
+            </a:r>
+            <a:r>
+              <a:rPr lang="en-US" dirty="0" smtClean="0"/>
+              <a:t>HMIN</a:t>
+            </a:r>
+            <a:r>
+              <a:rPr lang="fr-FR" dirty="0" smtClean="0"/>
+              <a:t>317 </a:t>
+            </a:r>
+            <a:r>
+              <a:rPr lang="fr-FR" dirty="0" smtClean="0"/>
+              <a:t>– </a:t>
+            </a:r>
+            <a:r>
+              <a:rPr lang="fr-FR" b="1" dirty="0" smtClean="0"/>
               <a:t>MATHS</a:t>
             </a:r>
             <a:endParaRPr lang="fr-FR" b="1" dirty="0"/>
@@ -10721,7 +11025,7 @@
           <a:p>
             <a:fld id="{19038BA7-713C-2544-8829-1AE6272C1240}" type="datetime1">
               <a:rPr lang="fr-FR" smtClean="0"/>
-              <a:t>13/09/17</a:t>
+              <a:t>28/09/17</a:t>
             </a:fld>
             <a:endParaRPr lang="fr-FR" dirty="0"/>
           </a:p>
@@ -10945,11 +11249,31 @@
           <a:lstStyle/>
           <a:p>
             <a:r>
-              <a:rPr lang="fr-FR" smtClean="0"/>
-              <a:t>Rémi Ronfard –remi.ronfard@inria.fr – GMIN317 – </a:t>
-            </a:r>
-            <a:r>
-              <a:rPr lang="fr-FR" b="1" smtClean="0"/>
+              <a:rPr lang="fr-FR" dirty="0" smtClean="0"/>
+              <a:t>Rémi Ronfard </a:t>
+            </a:r>
+            <a:r>
+              <a:rPr lang="fr-FR" dirty="0" smtClean="0"/>
+              <a:t> </a:t>
+            </a:r>
+            <a:r>
+              <a:rPr lang="fr-FR" dirty="0" smtClean="0"/>
+              <a:t>– </a:t>
+            </a:r>
+            <a:r>
+              <a:rPr lang="en-US" dirty="0" smtClean="0"/>
+              <a:t>HMIN</a:t>
+            </a:r>
+            <a:r>
+              <a:rPr lang="fr-FR" dirty="0" smtClean="0"/>
+              <a:t>317 </a:t>
+            </a:r>
+            <a:r>
+              <a:rPr lang="fr-FR" dirty="0" smtClean="0"/>
+              <a:t>– </a:t>
+            </a:r>
+            <a:r>
+              <a:rPr lang="fr-FR" b="1" dirty="0" smtClean="0"/>
               <a:t>MATHS</a:t>
             </a:r>
             <a:endParaRPr lang="fr-FR" b="1" dirty="0"/>
@@ -10997,7 +11321,7 @@
           <a:p>
             <a:fld id="{19038BA7-713C-2544-8829-1AE6272C1240}" type="datetime1">
               <a:rPr lang="fr-FR" smtClean="0"/>
-              <a:t>13/09/17</a:t>
+              <a:t>28/09/17</a:t>
             </a:fld>
             <a:endParaRPr lang="fr-FR" dirty="0"/>
           </a:p>
@@ -11317,11 +11641,31 @@
           <a:lstStyle/>
           <a:p>
             <a:r>
-              <a:rPr lang="fr-FR" smtClean="0"/>
-              <a:t>Rémi Ronfard –remi.ronfard@inria.fr – GMIN317 – </a:t>
-            </a:r>
-            <a:r>
-              <a:rPr lang="fr-FR" b="1" smtClean="0"/>
+              <a:rPr lang="fr-FR" dirty="0" smtClean="0"/>
+              <a:t>Rémi Ronfard </a:t>
+            </a:r>
+            <a:r>
+              <a:rPr lang="fr-FR" dirty="0" smtClean="0"/>
+              <a:t> </a:t>
+            </a:r>
+            <a:r>
+              <a:rPr lang="fr-FR" dirty="0" smtClean="0"/>
+              <a:t>– </a:t>
+            </a:r>
+            <a:r>
+              <a:rPr lang="en-US" dirty="0" smtClean="0"/>
+              <a:t>HMIN</a:t>
+            </a:r>
+            <a:r>
+              <a:rPr lang="fr-FR" dirty="0" smtClean="0"/>
+              <a:t>317 </a:t>
+            </a:r>
+            <a:r>
+              <a:rPr lang="fr-FR" dirty="0" smtClean="0"/>
+              <a:t>– </a:t>
+            </a:r>
+            <a:r>
+              <a:rPr lang="fr-FR" b="1" dirty="0" smtClean="0"/>
               <a:t>INTRODUCTION</a:t>
             </a:r>
             <a:endParaRPr lang="fr-FR" b="1" dirty="0"/>
@@ -11369,7 +11713,7 @@
           <a:p>
             <a:fld id="{C42B5CCB-00AF-494F-BB8F-8549A9D97B0C}" type="datetime1">
               <a:rPr lang="fr-FR" smtClean="0"/>
-              <a:t>13/09/17</a:t>
+              <a:t>28/09/17</a:t>
             </a:fld>
             <a:endParaRPr lang="fr-FR" dirty="0"/>
           </a:p>
@@ -19381,7 +19725,7 @@
           <a:graphicData uri="http://schemas.openxmlformats.org/presentationml/2006/ole">
             <mc:AlternateContent xmlns:mc="http://schemas.openxmlformats.org/markup-compatibility/2006">
               <mc:Choice xmlns:v="urn:schemas-microsoft-com:vml" Requires="v">
-                <p:oleObj spid="_x0000_s3176" name="Equation" r:id="rId3" imgW="952200" imgH="1650960" progId="Equation.DSMT4">
+                <p:oleObj spid="_x0000_s3178" name="Equation" r:id="rId3" imgW="952200" imgH="1650960" progId="Equation.DSMT4">
                   <p:embed/>
                 </p:oleObj>
               </mc:Choice>
@@ -19601,7 +19945,7 @@
           <a:graphicData uri="http://schemas.openxmlformats.org/presentationml/2006/ole">
             <mc:AlternateContent xmlns:mc="http://schemas.openxmlformats.org/markup-compatibility/2006">
               <mc:Choice xmlns:v="urn:schemas-microsoft-com:vml" Requires="v">
-                <p:oleObj spid="_x0000_s4200" name="Equation" r:id="rId3" imgW="2730240" imgH="1650960" progId="Equation.DSMT4">
+                <p:oleObj spid="_x0000_s4202" name="Equation" r:id="rId3" imgW="2730240" imgH="1650960" progId="Equation.DSMT4">
                   <p:embed/>
                 </p:oleObj>
               </mc:Choice>
@@ -19811,7 +20155,7 @@
           <a:graphicData uri="http://schemas.openxmlformats.org/presentationml/2006/ole">
             <mc:AlternateContent xmlns:mc="http://schemas.openxmlformats.org/markup-compatibility/2006">
               <mc:Choice xmlns:v="urn:schemas-microsoft-com:vml" Requires="v">
-                <p:oleObj spid="_x0000_s5224" name="Equation" r:id="rId3" imgW="3022560" imgH="1650960" progId="Equation.DSMT4">
+                <p:oleObj spid="_x0000_s5226" name="Equation" r:id="rId3" imgW="3022560" imgH="1650960" progId="Equation.DSMT4">
                   <p:embed/>
                 </p:oleObj>
               </mc:Choice>
@@ -20081,7 +20425,7 @@
           <a:graphicData uri="http://schemas.openxmlformats.org/presentationml/2006/ole">
             <mc:AlternateContent xmlns:mc="http://schemas.openxmlformats.org/markup-compatibility/2006">
               <mc:Choice xmlns:v="urn:schemas-microsoft-com:vml" Requires="v">
-                <p:oleObj spid="_x0000_s6248" name="Equation" r:id="rId3" imgW="2133360" imgH="914400" progId="Equation.DSMT4">
+                <p:oleObj spid="_x0000_s6250" name="Equation" r:id="rId3" imgW="2133360" imgH="914400" progId="Equation.DSMT4">
                   <p:embed/>
                 </p:oleObj>
               </mc:Choice>
@@ -20437,11 +20781,27 @@
           <a:lstStyle/>
           <a:p>
             <a:r>
-              <a:rPr lang="fr-FR" smtClean="0"/>
-              <a:t>Rémi Ronfard –remi.ronfard@inria.fr – GMIN317 – </a:t>
-            </a:r>
-            <a:r>
-              <a:rPr lang="fr-FR" b="1" smtClean="0"/>
+              <a:rPr lang="fr-FR" dirty="0" smtClean="0"/>
+              <a:t>Rémi Ronfard </a:t>
+            </a:r>
+            <a:r>
+              <a:rPr lang="fr-FR" dirty="0" smtClean="0"/>
+              <a:t>– </a:t>
+            </a:r>
+            <a:r>
+              <a:rPr lang="en-US" dirty="0" smtClean="0"/>
+              <a:t>HMIN</a:t>
+            </a:r>
+            <a:r>
+              <a:rPr lang="fr-FR" dirty="0" smtClean="0"/>
+              <a:t>317 </a:t>
+            </a:r>
+            <a:r>
+              <a:rPr lang="fr-FR" dirty="0" smtClean="0"/>
+              <a:t>– </a:t>
+            </a:r>
+            <a:r>
+              <a:rPr lang="fr-FR" b="1" dirty="0" smtClean="0"/>
               <a:t>MATHS</a:t>
             </a:r>
             <a:endParaRPr lang="fr-FR" b="1" dirty="0"/>
@@ -20489,7 +20849,7 @@
           <a:p>
             <a:fld id="{19038BA7-713C-2544-8829-1AE6272C1240}" type="datetime1">
               <a:rPr lang="fr-FR" smtClean="0"/>
-              <a:t>13/09/17</a:t>
+              <a:t>28/09/17</a:t>
             </a:fld>
             <a:endParaRPr lang="fr-FR" dirty="0"/>
           </a:p>
@@ -21900,7 +22260,7 @@
           <a:graphicData uri="http://schemas.openxmlformats.org/presentationml/2006/ole">
             <mc:AlternateContent xmlns:mc="http://schemas.openxmlformats.org/markup-compatibility/2006">
               <mc:Choice xmlns:v="urn:schemas-microsoft-com:vml" Requires="v">
-                <p:oleObj spid="_x0000_s8296" name="Equation" r:id="rId3" imgW="2958840" imgH="914400" progId="Equation.DSMT4">
+                <p:oleObj spid="_x0000_s8298" name="Equation" r:id="rId3" imgW="2958840" imgH="914400" progId="Equation.DSMT4">
                   <p:embed/>
                 </p:oleObj>
               </mc:Choice>
@@ -24081,7 +24441,7 @@
           <a:graphicData uri="http://schemas.openxmlformats.org/presentationml/2006/ole">
             <mc:AlternateContent xmlns:mc="http://schemas.openxmlformats.org/markup-compatibility/2006">
               <mc:Choice xmlns:v="urn:schemas-microsoft-com:vml" Requires="v">
-                <p:oleObj spid="_x0000_s16487" name="Equation" r:id="rId3" imgW="3708360" imgH="914400" progId="Equation.DSMT4">
+                <p:oleObj spid="_x0000_s16489" name="Equation" r:id="rId3" imgW="3708360" imgH="914400" progId="Equation.DSMT4">
                   <p:embed/>
                 </p:oleObj>
               </mc:Choice>
@@ -24407,7 +24767,7 @@
           <a:graphicData uri="http://schemas.openxmlformats.org/presentationml/2006/ole">
             <mc:AlternateContent xmlns:mc="http://schemas.openxmlformats.org/markup-compatibility/2006">
               <mc:Choice xmlns:v="urn:schemas-microsoft-com:vml" Requires="v">
-                <p:oleObj spid="_x0000_s17610" name="Equation" r:id="rId3" imgW="3708360" imgH="914400" progId="Equation.DSMT4">
+                <p:oleObj spid="_x0000_s17614" name="Equation" r:id="rId3" imgW="3708360" imgH="914400" progId="Equation.DSMT4">
                   <p:embed/>
                 </p:oleObj>
               </mc:Choice>
@@ -24616,7 +24976,7 @@
           <a:graphicData uri="http://schemas.openxmlformats.org/presentationml/2006/ole">
             <mc:AlternateContent xmlns:mc="http://schemas.openxmlformats.org/markup-compatibility/2006">
               <mc:Choice xmlns:v="urn:schemas-microsoft-com:vml" Requires="v">
-                <p:oleObj spid="_x0000_s17611" name="Equation" r:id="rId5" imgW="1130040" imgH="711000" progId="Equation.DSMT4">
+                <p:oleObj spid="_x0000_s17615" name="Equation" r:id="rId5" imgW="1130040" imgH="711000" progId="Equation.DSMT4">
                   <p:embed/>
                 </p:oleObj>
               </mc:Choice>
@@ -26505,11 +26865,31 @@
           <a:lstStyle/>
           <a:p>
             <a:r>
-              <a:rPr lang="fr-FR" smtClean="0"/>
-              <a:t>Rémi Ronfard –remi.ronfard@inria.fr – GMIN317 – </a:t>
-            </a:r>
-            <a:r>
-              <a:rPr lang="fr-FR" b="1" smtClean="0"/>
+              <a:rPr lang="fr-FR" dirty="0" smtClean="0"/>
+              <a:t>Rémi Ronfard </a:t>
+            </a:r>
+            <a:r>
+              <a:rPr lang="fr-FR" dirty="0" smtClean="0"/>
+              <a:t> </a:t>
+            </a:r>
+            <a:r>
+              <a:rPr lang="fr-FR" dirty="0" smtClean="0"/>
+              <a:t>– </a:t>
+            </a:r>
+            <a:r>
+              <a:rPr lang="en-US" dirty="0" smtClean="0"/>
+              <a:t>HMIN</a:t>
+            </a:r>
+            <a:r>
+              <a:rPr lang="fr-FR" dirty="0" smtClean="0"/>
+              <a:t>317 </a:t>
+            </a:r>
+            <a:r>
+              <a:rPr lang="fr-FR" dirty="0" smtClean="0"/>
+              <a:t>– </a:t>
+            </a:r>
+            <a:r>
+              <a:rPr lang="fr-FR" b="1" dirty="0" smtClean="0"/>
               <a:t>MATHS</a:t>
             </a:r>
             <a:endParaRPr lang="fr-FR" b="1" dirty="0"/>
@@ -26557,7 +26937,7 @@
           <a:p>
             <a:fld id="{D982A0D6-A7C2-DA44-8C91-0D82881601ED}" type="datetime1">
               <a:rPr lang="fr-FR" smtClean="0"/>
-              <a:t>13/09/17</a:t>
+              <a:t>28/09/17</a:t>
             </a:fld>
             <a:endParaRPr lang="fr-FR" dirty="0"/>
           </a:p>
@@ -26685,11 +27065,31 @@
           <a:lstStyle/>
           <a:p>
             <a:r>
-              <a:rPr lang="fr-FR" smtClean="0"/>
-              <a:t>Rémi Ronfard –remi.ronfard@inria.fr – GMIN317 – </a:t>
-            </a:r>
-            <a:r>
-              <a:rPr lang="fr-FR" b="1" smtClean="0"/>
+              <a:rPr lang="fr-FR" dirty="0" smtClean="0"/>
+              <a:t>Rémi Ronfard </a:t>
+            </a:r>
+            <a:r>
+              <a:rPr lang="fr-FR" dirty="0" smtClean="0"/>
+              <a:t> </a:t>
+            </a:r>
+            <a:r>
+              <a:rPr lang="fr-FR" dirty="0" smtClean="0"/>
+              <a:t>– </a:t>
+            </a:r>
+            <a:r>
+              <a:rPr lang="en-US" dirty="0" smtClean="0"/>
+              <a:t>HMIN</a:t>
+            </a:r>
+            <a:r>
+              <a:rPr lang="fr-FR" dirty="0" smtClean="0"/>
+              <a:t>317 </a:t>
+            </a:r>
+            <a:r>
+              <a:rPr lang="fr-FR" dirty="0" smtClean="0"/>
+              <a:t>– </a:t>
+            </a:r>
+            <a:r>
+              <a:rPr lang="fr-FR" b="1" dirty="0" smtClean="0"/>
               <a:t>MATHS</a:t>
             </a:r>
             <a:endParaRPr lang="fr-FR" b="1" dirty="0"/>
@@ -26737,7 +27137,7 @@
           <a:p>
             <a:fld id="{D982A0D6-A7C2-DA44-8C91-0D82881601ED}" type="datetime1">
               <a:rPr lang="fr-FR" smtClean="0"/>
-              <a:t>13/09/17</a:t>
+              <a:t>28/09/17</a:t>
             </a:fld>
             <a:endParaRPr lang="fr-FR" dirty="0"/>
           </a:p>
@@ -27724,11 +28124,31 @@
           <a:lstStyle/>
           <a:p>
             <a:r>
-              <a:rPr lang="fr-FR" smtClean="0"/>
-              <a:t>Rémi Ronfard –remi.ronfard@inria.fr – GMIN317 – </a:t>
-            </a:r>
-            <a:r>
-              <a:rPr lang="fr-FR" b="1" smtClean="0"/>
+              <a:rPr lang="fr-FR" dirty="0" smtClean="0"/>
+              <a:t>Rémi Ronfard </a:t>
+            </a:r>
+            <a:r>
+              <a:rPr lang="fr-FR" dirty="0" smtClean="0"/>
+              <a:t> </a:t>
+            </a:r>
+            <a:r>
+              <a:rPr lang="fr-FR" dirty="0" smtClean="0"/>
+              <a:t>– </a:t>
+            </a:r>
+            <a:r>
+              <a:rPr lang="en-US" dirty="0" smtClean="0"/>
+              <a:t>HMIN</a:t>
+            </a:r>
+            <a:r>
+              <a:rPr lang="fr-FR" dirty="0" smtClean="0"/>
+              <a:t>317 </a:t>
+            </a:r>
+            <a:r>
+              <a:rPr lang="fr-FR" dirty="0" smtClean="0"/>
+              <a:t>– </a:t>
+            </a:r>
+            <a:r>
+              <a:rPr lang="fr-FR" b="1" dirty="0" smtClean="0"/>
               <a:t>MATHS</a:t>
             </a:r>
             <a:endParaRPr lang="fr-FR" b="1" dirty="0"/>
@@ -27776,7 +28196,7 @@
           <a:p>
             <a:fld id="{D982A0D6-A7C2-DA44-8C91-0D82881601ED}" type="datetime1">
               <a:rPr lang="fr-FR" smtClean="0"/>
-              <a:t>13/09/17</a:t>
+              <a:t>28/09/17</a:t>
             </a:fld>
             <a:endParaRPr lang="fr-FR" dirty="0"/>
           </a:p>
@@ -28354,11 +28774,31 @@
           <a:lstStyle/>
           <a:p>
             <a:r>
-              <a:rPr lang="fr-FR" smtClean="0"/>
-              <a:t>Rémi Ronfard –remi.ronfard@inria.fr – GMIN317 – </a:t>
-            </a:r>
-            <a:r>
-              <a:rPr lang="fr-FR" b="1" smtClean="0"/>
+              <a:rPr lang="fr-FR" dirty="0" smtClean="0"/>
+              <a:t>Rémi Ronfard </a:t>
+            </a:r>
+            <a:r>
+              <a:rPr lang="fr-FR" dirty="0" smtClean="0"/>
+              <a:t> </a:t>
+            </a:r>
+            <a:r>
+              <a:rPr lang="fr-FR" dirty="0" smtClean="0"/>
+              <a:t>– </a:t>
+            </a:r>
+            <a:r>
+              <a:rPr lang="en-US" dirty="0" smtClean="0"/>
+              <a:t>HMIN</a:t>
+            </a:r>
+            <a:r>
+              <a:rPr lang="fr-FR" dirty="0" smtClean="0"/>
+              <a:t>317 </a:t>
+            </a:r>
+            <a:r>
+              <a:rPr lang="fr-FR" dirty="0" smtClean="0"/>
+              <a:t>– </a:t>
+            </a:r>
+            <a:r>
+              <a:rPr lang="fr-FR" b="1" dirty="0" smtClean="0"/>
               <a:t>MATHS</a:t>
             </a:r>
             <a:endParaRPr lang="fr-FR" b="1" dirty="0"/>
@@ -28406,7 +28846,7 @@
           <a:p>
             <a:fld id="{D982A0D6-A7C2-DA44-8C91-0D82881601ED}" type="datetime1">
               <a:rPr lang="fr-FR" smtClean="0"/>
-              <a:t>13/09/17</a:t>
+              <a:t>28/09/17</a:t>
             </a:fld>
             <a:endParaRPr lang="fr-FR" dirty="0"/>
           </a:p>
@@ -28589,11 +29029,31 @@
           <a:lstStyle/>
           <a:p>
             <a:r>
-              <a:rPr lang="fr-FR" smtClean="0"/>
-              <a:t>Rémi Ronfard –remi.ronfard@inria.fr – GMIN317 – </a:t>
-            </a:r>
-            <a:r>
-              <a:rPr lang="fr-FR" b="1" smtClean="0"/>
+              <a:rPr lang="fr-FR" dirty="0" smtClean="0"/>
+              <a:t>Rémi Ronfard </a:t>
+            </a:r>
+            <a:r>
+              <a:rPr lang="fr-FR" dirty="0" smtClean="0"/>
+              <a:t> </a:t>
+            </a:r>
+            <a:r>
+              <a:rPr lang="fr-FR" dirty="0" smtClean="0"/>
+              <a:t>– </a:t>
+            </a:r>
+            <a:r>
+              <a:rPr lang="en-US" dirty="0" smtClean="0"/>
+              <a:t>HMIN</a:t>
+            </a:r>
+            <a:r>
+              <a:rPr lang="fr-FR" dirty="0" smtClean="0"/>
+              <a:t>317 </a:t>
+            </a:r>
+            <a:r>
+              <a:rPr lang="fr-FR" dirty="0" smtClean="0"/>
+              <a:t>– </a:t>
+            </a:r>
+            <a:r>
+              <a:rPr lang="fr-FR" b="1" dirty="0" smtClean="0"/>
               <a:t>MATHS</a:t>
             </a:r>
             <a:endParaRPr lang="fr-FR" b="1" dirty="0"/>
@@ -28641,7 +29101,7 @@
           <a:p>
             <a:fld id="{D982A0D6-A7C2-DA44-8C91-0D82881601ED}" type="datetime1">
               <a:rPr lang="fr-FR" smtClean="0"/>
-              <a:t>13/09/17</a:t>
+              <a:t>28/09/17</a:t>
             </a:fld>
             <a:endParaRPr lang="fr-FR" dirty="0"/>
           </a:p>
@@ -28716,14 +29176,33 @@
           <a:lstStyle/>
           <a:p>
             <a:r>
-              <a:rPr lang="fr-FR" smtClean="0"/>
-              <a:t>Rémi Ronfard –remi.ronfard@inria.fr – GMIN317 – </a:t>
-            </a:r>
-            <a:r>
-              <a:rPr lang="fr-FR" b="1" smtClean="0"/>
+              <a:rPr lang="fr-FR" dirty="0" smtClean="0"/>
+              <a:t>Rémi Ronfard </a:t>
+            </a:r>
+            <a:r>
+              <a:rPr lang="fr-FR" dirty="0" smtClean="0"/>
+              <a:t> </a:t>
+            </a:r>
+            <a:r>
+              <a:rPr lang="fr-FR" dirty="0" smtClean="0"/>
+              <a:t>– </a:t>
+            </a:r>
+            <a:r>
+              <a:rPr lang="en-US" dirty="0" smtClean="0"/>
+              <a:t>HMIN</a:t>
+            </a:r>
+            <a:r>
+              <a:rPr lang="fr-FR" dirty="0" smtClean="0"/>
+              <a:t>317 </a:t>
+            </a:r>
+            <a:r>
+              <a:rPr lang="fr-FR" dirty="0" smtClean="0"/>
+              <a:t>– </a:t>
+            </a:r>
+            <a:r>
+              <a:rPr lang="fr-FR" b="1" dirty="0" smtClean="0"/>
               <a:t>MATHS</a:t>
             </a:r>
-            <a:endParaRPr lang="fr-FR" b="1" dirty="0" smtClean="0"/>
           </a:p>
         </p:txBody>
       </p:sp>
@@ -28768,7 +29247,7 @@
           <a:p>
             <a:fld id="{90F72DDC-563B-C341-83C2-E73D8B258BF3}" type="datetime1">
               <a:rPr lang="fr-FR" smtClean="0"/>
-              <a:t>13/09/17</a:t>
+              <a:t>28/09/17</a:t>
             </a:fld>
             <a:endParaRPr lang="fr-FR" dirty="0"/>
           </a:p>
@@ -29091,11 +29570,31 @@
           <a:lstStyle/>
           <a:p>
             <a:r>
-              <a:rPr lang="fr-FR" smtClean="0"/>
-              <a:t>Rémi Ronfard –remi.ronfard@inria.fr – GMIN317 – </a:t>
-            </a:r>
-            <a:r>
-              <a:rPr lang="fr-FR" b="1" smtClean="0"/>
+              <a:rPr lang="fr-FR" dirty="0" smtClean="0"/>
+              <a:t>Rémi Ronfard </a:t>
+            </a:r>
+            <a:r>
+              <a:rPr lang="fr-FR" dirty="0" smtClean="0"/>
+              <a:t> </a:t>
+            </a:r>
+            <a:r>
+              <a:rPr lang="fr-FR" dirty="0" smtClean="0"/>
+              <a:t>– </a:t>
+            </a:r>
+            <a:r>
+              <a:rPr lang="en-US" dirty="0" smtClean="0"/>
+              <a:t>HMIN</a:t>
+            </a:r>
+            <a:r>
+              <a:rPr lang="fr-FR" dirty="0" smtClean="0"/>
+              <a:t>317 </a:t>
+            </a:r>
+            <a:r>
+              <a:rPr lang="fr-FR" dirty="0" smtClean="0"/>
+              <a:t>– </a:t>
+            </a:r>
+            <a:r>
+              <a:rPr lang="fr-FR" b="1" dirty="0" smtClean="0"/>
               <a:t>MATHS</a:t>
             </a:r>
             <a:endParaRPr lang="fr-FR" b="1" dirty="0"/>
@@ -29143,7 +29642,7 @@
           <a:p>
             <a:fld id="{D982A0D6-A7C2-DA44-8C91-0D82881601ED}" type="datetime1">
               <a:rPr lang="fr-FR" smtClean="0"/>
-              <a:t>13/09/17</a:t>
+              <a:t>28/09/17</a:t>
             </a:fld>
             <a:endParaRPr lang="fr-FR" dirty="0"/>
           </a:p>
@@ -29242,11 +29741,31 @@
           <a:lstStyle/>
           <a:p>
             <a:r>
-              <a:rPr lang="fr-FR" smtClean="0"/>
-              <a:t>Rémi Ronfard –remi.ronfard@inria.fr – GMIN317 – </a:t>
-            </a:r>
-            <a:r>
-              <a:rPr lang="fr-FR" b="1" smtClean="0"/>
+              <a:rPr lang="fr-FR" dirty="0" smtClean="0"/>
+              <a:t>Rémi Ronfard </a:t>
+            </a:r>
+            <a:r>
+              <a:rPr lang="fr-FR" dirty="0" smtClean="0"/>
+              <a:t> </a:t>
+            </a:r>
+            <a:r>
+              <a:rPr lang="fr-FR" dirty="0" smtClean="0"/>
+              <a:t>– </a:t>
+            </a:r>
+            <a:r>
+              <a:rPr lang="en-US" dirty="0" smtClean="0"/>
+              <a:t>HMIN</a:t>
+            </a:r>
+            <a:r>
+              <a:rPr lang="fr-FR" dirty="0" smtClean="0"/>
+              <a:t>317 </a:t>
+            </a:r>
+            <a:r>
+              <a:rPr lang="fr-FR" dirty="0" smtClean="0"/>
+              <a:t>– </a:t>
+            </a:r>
+            <a:r>
+              <a:rPr lang="fr-FR" b="1" dirty="0" smtClean="0"/>
               <a:t>MATHS</a:t>
             </a:r>
             <a:endParaRPr lang="fr-FR" b="1" dirty="0"/>
@@ -29294,7 +29813,7 @@
           <a:p>
             <a:fld id="{D982A0D6-A7C2-DA44-8C91-0D82881601ED}" type="datetime1">
               <a:rPr lang="fr-FR" smtClean="0"/>
-              <a:t>13/09/17</a:t>
+              <a:t>28/09/17</a:t>
             </a:fld>
             <a:endParaRPr lang="fr-FR" dirty="0"/>
           </a:p>
@@ -29493,11 +30012,31 @@
           <a:lstStyle/>
           <a:p>
             <a:r>
-              <a:rPr lang="fr-FR" smtClean="0"/>
-              <a:t>Rémi Ronfard –remi.ronfard@inria.fr – GMIN317 – </a:t>
-            </a:r>
-            <a:r>
-              <a:rPr lang="fr-FR" b="1" smtClean="0"/>
+              <a:rPr lang="fr-FR" dirty="0" smtClean="0"/>
+              <a:t>Rémi Ronfard </a:t>
+            </a:r>
+            <a:r>
+              <a:rPr lang="fr-FR" dirty="0" smtClean="0"/>
+              <a:t> </a:t>
+            </a:r>
+            <a:r>
+              <a:rPr lang="fr-FR" dirty="0" smtClean="0"/>
+              <a:t>– </a:t>
+            </a:r>
+            <a:r>
+              <a:rPr lang="en-US" dirty="0" smtClean="0"/>
+              <a:t>HMIN</a:t>
+            </a:r>
+            <a:r>
+              <a:rPr lang="fr-FR" dirty="0" smtClean="0"/>
+              <a:t>317 </a:t>
+            </a:r>
+            <a:r>
+              <a:rPr lang="fr-FR" dirty="0" smtClean="0"/>
+              <a:t>– </a:t>
+            </a:r>
+            <a:r>
+              <a:rPr lang="fr-FR" b="1" dirty="0" smtClean="0"/>
               <a:t>MATHS</a:t>
             </a:r>
             <a:endParaRPr lang="fr-FR" b="1" dirty="0"/>
@@ -29545,7 +30084,7 @@
           <a:p>
             <a:fld id="{D982A0D6-A7C2-DA44-8C91-0D82881601ED}" type="datetime1">
               <a:rPr lang="fr-FR" smtClean="0"/>
-              <a:t>13/09/17</a:t>
+              <a:t>28/09/17</a:t>
             </a:fld>
             <a:endParaRPr lang="fr-FR" dirty="0"/>
           </a:p>
@@ -29790,11 +30329,31 @@
           <a:lstStyle/>
           <a:p>
             <a:r>
-              <a:rPr lang="fr-FR" smtClean="0"/>
-              <a:t>Rémi Ronfard –remi.ronfard@inria.fr – GMIN317 – </a:t>
-            </a:r>
-            <a:r>
-              <a:rPr lang="fr-FR" b="1" smtClean="0"/>
+              <a:rPr lang="fr-FR" dirty="0" smtClean="0"/>
+              <a:t>Rémi Ronfard </a:t>
+            </a:r>
+            <a:r>
+              <a:rPr lang="fr-FR" dirty="0" smtClean="0"/>
+              <a:t> </a:t>
+            </a:r>
+            <a:r>
+              <a:rPr lang="fr-FR" dirty="0" smtClean="0"/>
+              <a:t>– </a:t>
+            </a:r>
+            <a:r>
+              <a:rPr lang="en-US" dirty="0" smtClean="0"/>
+              <a:t>HMIN</a:t>
+            </a:r>
+            <a:r>
+              <a:rPr lang="fr-FR" dirty="0" smtClean="0"/>
+              <a:t>317 </a:t>
+            </a:r>
+            <a:r>
+              <a:rPr lang="fr-FR" dirty="0" smtClean="0"/>
+              <a:t>– </a:t>
+            </a:r>
+            <a:r>
+              <a:rPr lang="fr-FR" b="1" dirty="0" smtClean="0"/>
               <a:t>MATHS</a:t>
             </a:r>
             <a:endParaRPr lang="fr-FR" b="1" dirty="0"/>
@@ -29842,7 +30401,7 @@
           <a:p>
             <a:fld id="{3D85F28E-A20A-254E-B4B9-91D136105DD0}" type="datetime1">
               <a:rPr lang="fr-FR" smtClean="0"/>
-              <a:t>13/09/17</a:t>
+              <a:t>28/09/17</a:t>
             </a:fld>
             <a:endParaRPr lang="fr-FR" dirty="0"/>
           </a:p>
@@ -29985,14 +30544,33 @@
           <a:lstStyle/>
           <a:p>
             <a:r>
-              <a:rPr lang="fr-FR" smtClean="0"/>
-              <a:t>Rémi Ronfard –remi.ronfard@inria.fr – GMIN317 – </a:t>
-            </a:r>
-            <a:r>
-              <a:rPr lang="fr-FR" b="1" smtClean="0"/>
+              <a:rPr lang="fr-FR" dirty="0" smtClean="0"/>
+              <a:t>Rémi Ronfard </a:t>
+            </a:r>
+            <a:r>
+              <a:rPr lang="fr-FR" dirty="0" smtClean="0"/>
+              <a:t> </a:t>
+            </a:r>
+            <a:r>
+              <a:rPr lang="fr-FR" dirty="0" smtClean="0"/>
+              <a:t>– </a:t>
+            </a:r>
+            <a:r>
+              <a:rPr lang="en-US" dirty="0" smtClean="0"/>
+              <a:t>HMIN</a:t>
+            </a:r>
+            <a:r>
+              <a:rPr lang="fr-FR" dirty="0" smtClean="0"/>
+              <a:t>317 </a:t>
+            </a:r>
+            <a:r>
+              <a:rPr lang="fr-FR" dirty="0" smtClean="0"/>
+              <a:t>– </a:t>
+            </a:r>
+            <a:r>
+              <a:rPr lang="fr-FR" b="1" dirty="0" smtClean="0"/>
               <a:t>MATHS</a:t>
             </a:r>
-            <a:endParaRPr lang="fr-FR" b="1" dirty="0" smtClean="0"/>
           </a:p>
         </p:txBody>
       </p:sp>
@@ -30037,7 +30615,7 @@
           <a:p>
             <a:fld id="{90F72DDC-563B-C341-83C2-E73D8B258BF3}" type="datetime1">
               <a:rPr lang="fr-FR" smtClean="0"/>
-              <a:t>13/09/17</a:t>
+              <a:t>28/09/17</a:t>
             </a:fld>
             <a:endParaRPr lang="fr-FR" dirty="0"/>
           </a:p>
@@ -31151,14 +31729,33 @@
           <a:lstStyle/>
           <a:p>
             <a:r>
-              <a:rPr lang="fr-FR" smtClean="0"/>
-              <a:t>Rémi Ronfard –remi.ronfard@inria.fr – GMIN317 – </a:t>
-            </a:r>
-            <a:r>
-              <a:rPr lang="fr-FR" b="1" smtClean="0"/>
+              <a:rPr lang="fr-FR" dirty="0" smtClean="0"/>
+              <a:t>Rémi Ronfard </a:t>
+            </a:r>
+            <a:r>
+              <a:rPr lang="fr-FR" dirty="0" smtClean="0"/>
+              <a:t> </a:t>
+            </a:r>
+            <a:r>
+              <a:rPr lang="fr-FR" dirty="0" smtClean="0"/>
+              <a:t>– </a:t>
+            </a:r>
+            <a:r>
+              <a:rPr lang="en-US" dirty="0" smtClean="0"/>
+              <a:t>HMIN</a:t>
+            </a:r>
+            <a:r>
+              <a:rPr lang="fr-FR" dirty="0" smtClean="0"/>
+              <a:t>317 </a:t>
+            </a:r>
+            <a:r>
+              <a:rPr lang="fr-FR" dirty="0" smtClean="0"/>
+              <a:t>– </a:t>
+            </a:r>
+            <a:r>
+              <a:rPr lang="fr-FR" b="1" dirty="0" smtClean="0"/>
               <a:t>MATHS</a:t>
             </a:r>
-            <a:endParaRPr lang="fr-FR" b="1" dirty="0" smtClean="0"/>
           </a:p>
         </p:txBody>
       </p:sp>
@@ -31203,7 +31800,7 @@
           <a:p>
             <a:fld id="{90F72DDC-563B-C341-83C2-E73D8B258BF3}" type="datetime1">
               <a:rPr lang="fr-FR" smtClean="0"/>
-              <a:t>13/09/17</a:t>
+              <a:t>28/09/17</a:t>
             </a:fld>
             <a:endParaRPr lang="fr-FR" dirty="0"/>
           </a:p>
@@ -31443,14 +32040,33 @@
           <a:lstStyle/>
           <a:p>
             <a:r>
-              <a:rPr lang="fr-FR" smtClean="0"/>
-              <a:t>Rémi Ronfard –remi.ronfard@inria.fr – GMIN317 – </a:t>
-            </a:r>
-            <a:r>
-              <a:rPr lang="fr-FR" b="1" smtClean="0"/>
+              <a:rPr lang="fr-FR" dirty="0" smtClean="0"/>
+              <a:t>Rémi Ronfard </a:t>
+            </a:r>
+            <a:r>
+              <a:rPr lang="fr-FR" dirty="0" smtClean="0"/>
+              <a:t> </a:t>
+            </a:r>
+            <a:r>
+              <a:rPr lang="fr-FR" dirty="0" smtClean="0"/>
+              <a:t>– </a:t>
+            </a:r>
+            <a:r>
+              <a:rPr lang="en-US" dirty="0" smtClean="0"/>
+              <a:t>HMIN</a:t>
+            </a:r>
+            <a:r>
+              <a:rPr lang="fr-FR" dirty="0" smtClean="0"/>
+              <a:t>317 </a:t>
+            </a:r>
+            <a:r>
+              <a:rPr lang="fr-FR" dirty="0" smtClean="0"/>
+              <a:t>– </a:t>
+            </a:r>
+            <a:r>
+              <a:rPr lang="fr-FR" b="1" dirty="0" smtClean="0"/>
               <a:t>MATHS</a:t>
             </a:r>
-            <a:endParaRPr lang="fr-FR" b="1" dirty="0" smtClean="0"/>
           </a:p>
         </p:txBody>
       </p:sp>
@@ -31495,7 +32111,7 @@
           <a:p>
             <a:fld id="{90F72DDC-563B-C341-83C2-E73D8B258BF3}" type="datetime1">
               <a:rPr lang="fr-FR" smtClean="0"/>
-              <a:t>13/09/17</a:t>
+              <a:t>28/09/17</a:t>
             </a:fld>
             <a:endParaRPr lang="fr-FR" dirty="0"/>
           </a:p>
@@ -31711,14 +32327,33 @@
           <a:lstStyle/>
           <a:p>
             <a:r>
-              <a:rPr lang="fr-FR" smtClean="0"/>
-              <a:t>Rémi Ronfard –remi.ronfard@inria.fr – GMIN317 – </a:t>
-            </a:r>
-            <a:r>
-              <a:rPr lang="fr-FR" b="1" smtClean="0"/>
+              <a:rPr lang="fr-FR" dirty="0" smtClean="0"/>
+              <a:t>Rémi Ronfard </a:t>
+            </a:r>
+            <a:r>
+              <a:rPr lang="fr-FR" dirty="0" smtClean="0"/>
+              <a:t> </a:t>
+            </a:r>
+            <a:r>
+              <a:rPr lang="fr-FR" dirty="0" smtClean="0"/>
+              <a:t>– </a:t>
+            </a:r>
+            <a:r>
+              <a:rPr lang="en-US" dirty="0" smtClean="0"/>
+              <a:t>HMIN</a:t>
+            </a:r>
+            <a:r>
+              <a:rPr lang="fr-FR" dirty="0" smtClean="0"/>
+              <a:t>317 </a:t>
+            </a:r>
+            <a:r>
+              <a:rPr lang="fr-FR" dirty="0" smtClean="0"/>
+              <a:t>– </a:t>
+            </a:r>
+            <a:r>
+              <a:rPr lang="fr-FR" b="1" dirty="0" smtClean="0"/>
               <a:t>MATHS</a:t>
             </a:r>
-            <a:endParaRPr lang="fr-FR" b="1" dirty="0" smtClean="0"/>
           </a:p>
         </p:txBody>
       </p:sp>
@@ -31763,7 +32398,7 @@
           <a:p>
             <a:fld id="{90F72DDC-563B-C341-83C2-E73D8B258BF3}" type="datetime1">
               <a:rPr lang="fr-FR" smtClean="0"/>
-              <a:t>13/09/17</a:t>
+              <a:t>28/09/17</a:t>
             </a:fld>
             <a:endParaRPr lang="fr-FR" dirty="0"/>
           </a:p>
@@ -31883,14 +32518,33 @@
           <a:lstStyle/>
           <a:p>
             <a:r>
-              <a:rPr lang="fr-FR" smtClean="0"/>
-              <a:t>Rémi Ronfard –remi.ronfard@inria.fr – GMIN317 – </a:t>
-            </a:r>
-            <a:r>
-              <a:rPr lang="fr-FR" b="1" smtClean="0"/>
+              <a:rPr lang="fr-FR" dirty="0" smtClean="0"/>
+              <a:t>Rémi Ronfard </a:t>
+            </a:r>
+            <a:r>
+              <a:rPr lang="fr-FR" dirty="0" smtClean="0"/>
+              <a:t> </a:t>
+            </a:r>
+            <a:r>
+              <a:rPr lang="fr-FR" dirty="0" smtClean="0"/>
+              <a:t>– </a:t>
+            </a:r>
+            <a:r>
+              <a:rPr lang="en-US" dirty="0" smtClean="0"/>
+              <a:t>HMIN</a:t>
+            </a:r>
+            <a:r>
+              <a:rPr lang="fr-FR" dirty="0" smtClean="0"/>
+              <a:t>317 </a:t>
+            </a:r>
+            <a:r>
+              <a:rPr lang="fr-FR" dirty="0" smtClean="0"/>
+              <a:t>– </a:t>
+            </a:r>
+            <a:r>
+              <a:rPr lang="fr-FR" b="1" dirty="0" smtClean="0"/>
               <a:t>MATHS</a:t>
             </a:r>
-            <a:endParaRPr lang="fr-FR" b="1" dirty="0" smtClean="0"/>
           </a:p>
         </p:txBody>
       </p:sp>
@@ -31935,7 +32589,7 @@
           <a:p>
             <a:fld id="{90F72DDC-563B-C341-83C2-E73D8B258BF3}" type="datetime1">
               <a:rPr lang="fr-FR" smtClean="0"/>
-              <a:t>13/09/17</a:t>
+              <a:t>28/09/17</a:t>
             </a:fld>
             <a:endParaRPr lang="fr-FR" dirty="0"/>
           </a:p>
@@ -32263,7 +32917,7 @@
           <a:graphicData uri="http://schemas.openxmlformats.org/presentationml/2006/ole">
             <mc:AlternateContent xmlns:mc="http://schemas.openxmlformats.org/markup-compatibility/2006">
               <mc:Choice xmlns:v="urn:schemas-microsoft-com:vml" Requires="v">
-                <p:oleObj spid="_x0000_s1193" name="Equation" r:id="rId3" imgW="1701720" imgH="203040" progId="Equation.DSMT4">
+                <p:oleObj spid="_x0000_s1195" name="Equation" r:id="rId3" imgW="1701720" imgH="203040" progId="Equation.DSMT4">
                   <p:embed/>
                 </p:oleObj>
               </mc:Choice>
